--- a/trunk/Báo cáo/Slide.pptx
+++ b/trunk/Báo cáo/Slide.pptx
@@ -7,6 +7,7 @@
   <p:sldIdLst>
     <p:sldId id="256" r:id="rId2"/>
     <p:sldId id="257" r:id="rId3"/>
+    <p:sldId id="258" r:id="rId4"/>
   </p:sldIdLst>
   <p:sldSz cx="9144000" cy="6858000" type="screen4x3"/>
   <p:notesSz cx="6858000" cy="9144000"/>
@@ -296,7 +297,7 @@
           <a:p>
             <a:fld id="{1ACB3E5A-4EE2-489A-9F85-64D5B6B97B6E}" type="datetimeFigureOut">
               <a:rPr lang="en-US" smtClean="0"/>
-              <a:t>7/12/2014</a:t>
+              <a:t>7/13/2014</a:t>
             </a:fld>
             <a:endParaRPr lang="en-US"/>
           </a:p>
@@ -496,7 +497,7 @@
           <a:p>
             <a:fld id="{1ACB3E5A-4EE2-489A-9F85-64D5B6B97B6E}" type="datetimeFigureOut">
               <a:rPr lang="en-US" smtClean="0"/>
-              <a:t>7/12/2014</a:t>
+              <a:t>7/13/2014</a:t>
             </a:fld>
             <a:endParaRPr lang="en-US"/>
           </a:p>
@@ -671,7 +672,7 @@
           <a:p>
             <a:fld id="{1ACB3E5A-4EE2-489A-9F85-64D5B6B97B6E}" type="datetimeFigureOut">
               <a:rPr lang="en-US" smtClean="0"/>
-              <a:t>7/12/2014</a:t>
+              <a:t>7/13/2014</a:t>
             </a:fld>
             <a:endParaRPr lang="en-US"/>
           </a:p>
@@ -836,7 +837,7 @@
           <a:p>
             <a:fld id="{1ACB3E5A-4EE2-489A-9F85-64D5B6B97B6E}" type="datetimeFigureOut">
               <a:rPr lang="en-US" smtClean="0"/>
-              <a:t>7/12/2014</a:t>
+              <a:t>7/13/2014</a:t>
             </a:fld>
             <a:endParaRPr lang="en-US"/>
           </a:p>
@@ -1084,7 +1085,7 @@
           <a:p>
             <a:fld id="{1ACB3E5A-4EE2-489A-9F85-64D5B6B97B6E}" type="datetimeFigureOut">
               <a:rPr lang="en-US" smtClean="0"/>
-              <a:t>7/12/2014</a:t>
+              <a:t>7/13/2014</a:t>
             </a:fld>
             <a:endParaRPr lang="en-US"/>
           </a:p>
@@ -1402,7 +1403,7 @@
           <a:p>
             <a:fld id="{1ACB3E5A-4EE2-489A-9F85-64D5B6B97B6E}" type="datetimeFigureOut">
               <a:rPr lang="en-US" smtClean="0"/>
-              <a:t>7/12/2014</a:t>
+              <a:t>7/13/2014</a:t>
             </a:fld>
             <a:endParaRPr lang="en-US"/>
           </a:p>
@@ -1868,7 +1869,7 @@
           <a:p>
             <a:fld id="{1ACB3E5A-4EE2-489A-9F85-64D5B6B97B6E}" type="datetimeFigureOut">
               <a:rPr lang="en-US" smtClean="0"/>
-              <a:t>7/12/2014</a:t>
+              <a:t>7/13/2014</a:t>
             </a:fld>
             <a:endParaRPr lang="en-US"/>
           </a:p>
@@ -2016,7 +2017,7 @@
           <a:p>
             <a:fld id="{1ACB3E5A-4EE2-489A-9F85-64D5B6B97B6E}" type="datetimeFigureOut">
               <a:rPr lang="en-US" smtClean="0"/>
-              <a:t>7/12/2014</a:t>
+              <a:t>7/13/2014</a:t>
             </a:fld>
             <a:endParaRPr lang="en-US"/>
           </a:p>
@@ -2106,7 +2107,7 @@
           <a:p>
             <a:fld id="{1ACB3E5A-4EE2-489A-9F85-64D5B6B97B6E}" type="datetimeFigureOut">
               <a:rPr lang="en-US" smtClean="0"/>
-              <a:t>7/12/2014</a:t>
+              <a:t>7/13/2014</a:t>
             </a:fld>
             <a:endParaRPr lang="en-US"/>
           </a:p>
@@ -2380,7 +2381,7 @@
           <a:p>
             <a:fld id="{1ACB3E5A-4EE2-489A-9F85-64D5B6B97B6E}" type="datetimeFigureOut">
               <a:rPr lang="en-US" smtClean="0"/>
-              <a:t>7/12/2014</a:t>
+              <a:t>7/13/2014</a:t>
             </a:fld>
             <a:endParaRPr lang="en-US"/>
           </a:p>
@@ -2685,7 +2686,7 @@
           <a:p>
             <a:fld id="{1ACB3E5A-4EE2-489A-9F85-64D5B6B97B6E}" type="datetimeFigureOut">
               <a:rPr lang="en-US" smtClean="0"/>
-              <a:t>7/12/2014</a:t>
+              <a:t>7/13/2014</a:t>
             </a:fld>
             <a:endParaRPr lang="en-US"/>
           </a:p>
@@ -2983,7 +2984,7 @@
           <a:p>
             <a:fld id="{1ACB3E5A-4EE2-489A-9F85-64D5B6B97B6E}" type="datetimeFigureOut">
               <a:rPr lang="en-US" smtClean="0"/>
-              <a:t>7/12/2014</a:t>
+              <a:t>7/13/2014</a:t>
             </a:fld>
             <a:endParaRPr lang="en-US"/>
           </a:p>
@@ -3870,6 +3871,1115 @@
 </p:sld>
 </file>
 
+<file path=ppt/slides/slide3.xml><?xml version="1.0" encoding="utf-8"?>
+<p:sld xmlns:a="http://schemas.openxmlformats.org/drawingml/2006/main" xmlns:r="http://schemas.openxmlformats.org/officeDocument/2006/relationships" xmlns:p="http://schemas.openxmlformats.org/presentationml/2006/main">
+  <p:cSld>
+    <p:spTree>
+      <p:nvGrpSpPr>
+        <p:cNvPr id="1" name=""/>
+        <p:cNvGrpSpPr/>
+        <p:nvPr/>
+      </p:nvGrpSpPr>
+      <p:grpSpPr>
+        <a:xfrm>
+          <a:off x="0" y="0"/>
+          <a:ext cx="0" cy="0"/>
+          <a:chOff x="0" y="0"/>
+          <a:chExt cx="0" cy="0"/>
+        </a:xfrm>
+      </p:grpSpPr>
+      <p:sp>
+        <p:nvSpPr>
+          <p:cNvPr id="4" name="Rectangle 3"/>
+          <p:cNvSpPr/>
+          <p:nvPr/>
+        </p:nvSpPr>
+        <p:spPr>
+          <a:xfrm>
+            <a:off x="609600" y="3187700"/>
+            <a:ext cx="1447800" cy="533400"/>
+          </a:xfrm>
+          <a:prstGeom prst="rect">
+            <a:avLst/>
+          </a:prstGeom>
+          <a:ln/>
+        </p:spPr>
+        <p:style>
+          <a:lnRef idx="2">
+            <a:schemeClr val="dk1"/>
+          </a:lnRef>
+          <a:fillRef idx="1">
+            <a:schemeClr val="lt1"/>
+          </a:fillRef>
+          <a:effectRef idx="0">
+            <a:schemeClr val="dk1"/>
+          </a:effectRef>
+          <a:fontRef idx="minor">
+            <a:schemeClr val="dk1"/>
+          </a:fontRef>
+        </p:style>
+        <p:txBody>
+          <a:bodyPr rtlCol="0" anchor="ctr"/>
+          <a:lstStyle/>
+          <a:p>
+            <a:pPr algn="ctr"/>
+            <a:r>
+              <a:rPr lang="en-US" smtClean="0"/>
+              <a:t>Đăng nhập</a:t>
+            </a:r>
+            <a:endParaRPr lang="en-US"/>
+          </a:p>
+        </p:txBody>
+      </p:sp>
+      <p:sp>
+        <p:nvSpPr>
+          <p:cNvPr id="7" name="Rectangle 6"/>
+          <p:cNvSpPr/>
+          <p:nvPr/>
+        </p:nvSpPr>
+        <p:spPr>
+          <a:xfrm>
+            <a:off x="3459843" y="2077358"/>
+            <a:ext cx="2102756" cy="533400"/>
+          </a:xfrm>
+          <a:prstGeom prst="rect">
+            <a:avLst/>
+          </a:prstGeom>
+          <a:ln/>
+        </p:spPr>
+        <p:style>
+          <a:lnRef idx="2">
+            <a:schemeClr val="dk1"/>
+          </a:lnRef>
+          <a:fillRef idx="1">
+            <a:schemeClr val="lt1"/>
+          </a:fillRef>
+          <a:effectRef idx="0">
+            <a:schemeClr val="dk1"/>
+          </a:effectRef>
+          <a:fontRef idx="minor">
+            <a:schemeClr val="dk1"/>
+          </a:fontRef>
+        </p:style>
+        <p:txBody>
+          <a:bodyPr rtlCol="0" anchor="ctr"/>
+          <a:lstStyle/>
+          <a:p>
+            <a:pPr algn="ctr"/>
+            <a:r>
+              <a:rPr lang="en-US" smtClean="0"/>
+              <a:t>Quản lí nhân lực</a:t>
+            </a:r>
+            <a:endParaRPr lang="en-US"/>
+          </a:p>
+        </p:txBody>
+      </p:sp>
+      <p:sp>
+        <p:nvSpPr>
+          <p:cNvPr id="8" name="Rectangle 7"/>
+          <p:cNvSpPr/>
+          <p:nvPr/>
+        </p:nvSpPr>
+        <p:spPr>
+          <a:xfrm>
+            <a:off x="3459843" y="1277258"/>
+            <a:ext cx="2102756" cy="533400"/>
+          </a:xfrm>
+          <a:prstGeom prst="rect">
+            <a:avLst/>
+          </a:prstGeom>
+          <a:ln/>
+        </p:spPr>
+        <p:style>
+          <a:lnRef idx="2">
+            <a:schemeClr val="dk1"/>
+          </a:lnRef>
+          <a:fillRef idx="1">
+            <a:schemeClr val="lt1"/>
+          </a:fillRef>
+          <a:effectRef idx="0">
+            <a:schemeClr val="dk1"/>
+          </a:effectRef>
+          <a:fontRef idx="minor">
+            <a:schemeClr val="dk1"/>
+          </a:fontRef>
+        </p:style>
+        <p:txBody>
+          <a:bodyPr rtlCol="0" anchor="ctr"/>
+          <a:lstStyle/>
+          <a:p>
+            <a:pPr algn="ctr"/>
+            <a:r>
+              <a:rPr lang="en-US" smtClean="0"/>
+              <a:t>Quản lí user story</a:t>
+            </a:r>
+            <a:endParaRPr lang="en-US"/>
+          </a:p>
+        </p:txBody>
+      </p:sp>
+      <p:sp>
+        <p:nvSpPr>
+          <p:cNvPr id="9" name="Content Placeholder 2"/>
+          <p:cNvSpPr txBox="1">
+            <a:spLocks/>
+          </p:cNvSpPr>
+          <p:nvPr/>
+        </p:nvSpPr>
+        <p:spPr>
+          <a:xfrm>
+            <a:off x="609600" y="1066800"/>
+            <a:ext cx="8229600" cy="4876800"/>
+          </a:xfrm>
+          <a:prstGeom prst="rect">
+            <a:avLst/>
+          </a:prstGeom>
+        </p:spPr>
+        <p:txBody>
+          <a:bodyPr vert="horz" lIns="91440" tIns="45720" rIns="91440" bIns="45720" rtlCol="0">
+            <a:normAutofit/>
+          </a:bodyPr>
+          <a:lstStyle>
+            <a:lvl1pPr marL="182880" indent="-182880" algn="l" defTabSz="914400" rtl="0" eaLnBrk="1" latinLnBrk="0" hangingPunct="1">
+              <a:spcBef>
+                <a:spcPct val="20000"/>
+              </a:spcBef>
+              <a:buClr>
+                <a:schemeClr val="accent1"/>
+              </a:buClr>
+              <a:buSzPct val="85000"/>
+              <a:buFont typeface="Arial" pitchFamily="34" charset="0"/>
+              <a:buChar char="•"/>
+              <a:defRPr sz="2400" kern="1200">
+                <a:solidFill>
+                  <a:schemeClr val="tx1"/>
+                </a:solidFill>
+                <a:latin typeface="+mn-lt"/>
+                <a:ea typeface="+mn-ea"/>
+                <a:cs typeface="+mn-cs"/>
+              </a:defRPr>
+            </a:lvl1pPr>
+            <a:lvl2pPr marL="457200" indent="-182880" algn="l" defTabSz="914400" rtl="0" eaLnBrk="1" latinLnBrk="0" hangingPunct="1">
+              <a:spcBef>
+                <a:spcPct val="20000"/>
+              </a:spcBef>
+              <a:buClr>
+                <a:schemeClr val="accent1"/>
+              </a:buClr>
+              <a:buSzPct val="85000"/>
+              <a:buFont typeface="Arial" pitchFamily="34" charset="0"/>
+              <a:buChar char="•"/>
+              <a:defRPr sz="2000" kern="1200">
+                <a:solidFill>
+                  <a:schemeClr val="tx1"/>
+                </a:solidFill>
+                <a:latin typeface="+mn-lt"/>
+                <a:ea typeface="+mn-ea"/>
+                <a:cs typeface="+mn-cs"/>
+              </a:defRPr>
+            </a:lvl2pPr>
+            <a:lvl3pPr marL="731520" indent="-182880" algn="l" defTabSz="914400" rtl="0" eaLnBrk="1" latinLnBrk="0" hangingPunct="1">
+              <a:spcBef>
+                <a:spcPct val="20000"/>
+              </a:spcBef>
+              <a:buClr>
+                <a:schemeClr val="accent1"/>
+              </a:buClr>
+              <a:buSzPct val="90000"/>
+              <a:buFont typeface="Arial" pitchFamily="34" charset="0"/>
+              <a:buChar char="•"/>
+              <a:defRPr sz="1800" kern="1200">
+                <a:solidFill>
+                  <a:schemeClr val="tx1"/>
+                </a:solidFill>
+                <a:latin typeface="+mn-lt"/>
+                <a:ea typeface="+mn-ea"/>
+                <a:cs typeface="+mn-cs"/>
+              </a:defRPr>
+            </a:lvl3pPr>
+            <a:lvl4pPr marL="1005840" indent="-182880" algn="l" defTabSz="914400" rtl="0" eaLnBrk="1" latinLnBrk="0" hangingPunct="1">
+              <a:spcBef>
+                <a:spcPct val="20000"/>
+              </a:spcBef>
+              <a:buClr>
+                <a:schemeClr val="accent1"/>
+              </a:buClr>
+              <a:buFont typeface="Arial" pitchFamily="34" charset="0"/>
+              <a:buChar char="•"/>
+              <a:defRPr sz="1600" kern="1200">
+                <a:solidFill>
+                  <a:schemeClr val="tx1"/>
+                </a:solidFill>
+                <a:latin typeface="+mn-lt"/>
+                <a:ea typeface="+mn-ea"/>
+                <a:cs typeface="+mn-cs"/>
+              </a:defRPr>
+            </a:lvl4pPr>
+            <a:lvl5pPr marL="1188720" indent="-137160" algn="l" defTabSz="914400" rtl="0" eaLnBrk="1" latinLnBrk="0" hangingPunct="1">
+              <a:spcBef>
+                <a:spcPct val="20000"/>
+              </a:spcBef>
+              <a:buClr>
+                <a:schemeClr val="accent1"/>
+              </a:buClr>
+              <a:buSzPct val="100000"/>
+              <a:buFont typeface="Arial" pitchFamily="34" charset="0"/>
+              <a:buChar char="•"/>
+              <a:defRPr sz="1400" kern="1200" baseline="0">
+                <a:solidFill>
+                  <a:schemeClr val="tx1"/>
+                </a:solidFill>
+                <a:latin typeface="+mn-lt"/>
+                <a:ea typeface="+mn-ea"/>
+                <a:cs typeface="+mn-cs"/>
+              </a:defRPr>
+            </a:lvl5pPr>
+            <a:lvl6pPr marL="1371600" indent="-182880" algn="l" defTabSz="914400" rtl="0" eaLnBrk="1" latinLnBrk="0" hangingPunct="1">
+              <a:spcBef>
+                <a:spcPct val="20000"/>
+              </a:spcBef>
+              <a:buClr>
+                <a:schemeClr val="accent1"/>
+              </a:buClr>
+              <a:buFont typeface="Arial" pitchFamily="34" charset="0"/>
+              <a:buChar char="•"/>
+              <a:defRPr sz="1300" kern="1200">
+                <a:solidFill>
+                  <a:schemeClr val="tx1"/>
+                </a:solidFill>
+                <a:latin typeface="+mn-lt"/>
+                <a:ea typeface="+mn-ea"/>
+                <a:cs typeface="+mn-cs"/>
+              </a:defRPr>
+            </a:lvl6pPr>
+            <a:lvl7pPr marL="1554480" indent="-182880" algn="l" defTabSz="914400" rtl="0" eaLnBrk="1" latinLnBrk="0" hangingPunct="1">
+              <a:spcBef>
+                <a:spcPct val="20000"/>
+              </a:spcBef>
+              <a:buClr>
+                <a:schemeClr val="accent1"/>
+              </a:buClr>
+              <a:buFont typeface="Arial" pitchFamily="34" charset="0"/>
+              <a:buChar char="•"/>
+              <a:defRPr sz="1300" kern="1200">
+                <a:solidFill>
+                  <a:schemeClr val="tx1"/>
+                </a:solidFill>
+                <a:latin typeface="+mn-lt"/>
+                <a:ea typeface="+mn-ea"/>
+                <a:cs typeface="+mn-cs"/>
+              </a:defRPr>
+            </a:lvl7pPr>
+            <a:lvl8pPr marL="1737360" indent="-182880" algn="l" defTabSz="914400" rtl="0" eaLnBrk="1" latinLnBrk="0" hangingPunct="1">
+              <a:spcBef>
+                <a:spcPct val="20000"/>
+              </a:spcBef>
+              <a:buClr>
+                <a:schemeClr val="accent1"/>
+              </a:buClr>
+              <a:buFont typeface="Arial" pitchFamily="34" charset="0"/>
+              <a:buChar char="•"/>
+              <a:defRPr sz="1300" kern="1200">
+                <a:solidFill>
+                  <a:schemeClr val="tx1"/>
+                </a:solidFill>
+                <a:latin typeface="+mn-lt"/>
+                <a:ea typeface="+mn-ea"/>
+                <a:cs typeface="+mn-cs"/>
+              </a:defRPr>
+            </a:lvl8pPr>
+            <a:lvl9pPr marL="1920240" indent="-182880" algn="l" defTabSz="914400" rtl="0" eaLnBrk="1" latinLnBrk="0" hangingPunct="1">
+              <a:spcBef>
+                <a:spcPct val="20000"/>
+              </a:spcBef>
+              <a:buClr>
+                <a:schemeClr val="accent1"/>
+              </a:buClr>
+              <a:buFont typeface="Arial" pitchFamily="34" charset="0"/>
+              <a:buChar char="•"/>
+              <a:defRPr sz="1300" kern="1200">
+                <a:solidFill>
+                  <a:schemeClr val="tx1"/>
+                </a:solidFill>
+                <a:latin typeface="+mn-lt"/>
+                <a:ea typeface="+mn-ea"/>
+                <a:cs typeface="+mn-cs"/>
+              </a:defRPr>
+            </a:lvl9pPr>
+          </a:lstStyle>
+          <a:p>
+            <a:endParaRPr lang="en-US"/>
+          </a:p>
+        </p:txBody>
+      </p:sp>
+      <p:sp>
+        <p:nvSpPr>
+          <p:cNvPr id="10" name="Rectangle 9"/>
+          <p:cNvSpPr/>
+          <p:nvPr/>
+        </p:nvSpPr>
+        <p:spPr>
+          <a:xfrm>
+            <a:off x="3459842" y="457200"/>
+            <a:ext cx="2102757" cy="533400"/>
+          </a:xfrm>
+          <a:prstGeom prst="rect">
+            <a:avLst/>
+          </a:prstGeom>
+          <a:ln/>
+        </p:spPr>
+        <p:style>
+          <a:lnRef idx="2">
+            <a:schemeClr val="dk1"/>
+          </a:lnRef>
+          <a:fillRef idx="1">
+            <a:schemeClr val="lt1"/>
+          </a:fillRef>
+          <a:effectRef idx="0">
+            <a:schemeClr val="dk1"/>
+          </a:effectRef>
+          <a:fontRef idx="minor">
+            <a:schemeClr val="dk1"/>
+          </a:fontRef>
+        </p:style>
+        <p:txBody>
+          <a:bodyPr rtlCol="0" anchor="ctr"/>
+          <a:lstStyle/>
+          <a:p>
+            <a:pPr algn="ctr"/>
+            <a:r>
+              <a:rPr lang="en-US" smtClean="0"/>
+              <a:t>Quản lí project</a:t>
+            </a:r>
+            <a:endParaRPr lang="en-US"/>
+          </a:p>
+        </p:txBody>
+      </p:sp>
+      <p:sp>
+        <p:nvSpPr>
+          <p:cNvPr id="11" name="Rectangle 10"/>
+          <p:cNvSpPr/>
+          <p:nvPr/>
+        </p:nvSpPr>
+        <p:spPr>
+          <a:xfrm>
+            <a:off x="3459843" y="2895600"/>
+            <a:ext cx="2102756" cy="533400"/>
+          </a:xfrm>
+          <a:prstGeom prst="rect">
+            <a:avLst/>
+          </a:prstGeom>
+          <a:ln/>
+        </p:spPr>
+        <p:style>
+          <a:lnRef idx="2">
+            <a:schemeClr val="dk1"/>
+          </a:lnRef>
+          <a:fillRef idx="1">
+            <a:schemeClr val="lt1"/>
+          </a:fillRef>
+          <a:effectRef idx="0">
+            <a:schemeClr val="dk1"/>
+          </a:effectRef>
+          <a:fontRef idx="minor">
+            <a:schemeClr val="dk1"/>
+          </a:fontRef>
+        </p:style>
+        <p:txBody>
+          <a:bodyPr rtlCol="0" anchor="ctr"/>
+          <a:lstStyle/>
+          <a:p>
+            <a:pPr algn="ctr"/>
+            <a:r>
+              <a:rPr lang="en-US" smtClean="0"/>
+              <a:t>Quản lí sprint</a:t>
+            </a:r>
+            <a:endParaRPr lang="en-US"/>
+          </a:p>
+        </p:txBody>
+      </p:sp>
+      <p:sp>
+        <p:nvSpPr>
+          <p:cNvPr id="12" name="Rectangle 11"/>
+          <p:cNvSpPr/>
+          <p:nvPr/>
+        </p:nvSpPr>
+        <p:spPr>
+          <a:xfrm>
+            <a:off x="3445328" y="3733800"/>
+            <a:ext cx="2102756" cy="533400"/>
+          </a:xfrm>
+          <a:prstGeom prst="rect">
+            <a:avLst/>
+          </a:prstGeom>
+          <a:ln/>
+        </p:spPr>
+        <p:style>
+          <a:lnRef idx="2">
+            <a:schemeClr val="dk1"/>
+          </a:lnRef>
+          <a:fillRef idx="1">
+            <a:schemeClr val="lt1"/>
+          </a:fillRef>
+          <a:effectRef idx="0">
+            <a:schemeClr val="dk1"/>
+          </a:effectRef>
+          <a:fontRef idx="minor">
+            <a:schemeClr val="dk1"/>
+          </a:fontRef>
+        </p:style>
+        <p:txBody>
+          <a:bodyPr rtlCol="0" anchor="ctr"/>
+          <a:lstStyle/>
+          <a:p>
+            <a:pPr algn="ctr"/>
+            <a:r>
+              <a:rPr lang="en-US" smtClean="0"/>
+              <a:t>Taskboard</a:t>
+            </a:r>
+            <a:endParaRPr lang="en-US"/>
+          </a:p>
+        </p:txBody>
+      </p:sp>
+      <p:sp>
+        <p:nvSpPr>
+          <p:cNvPr id="13" name="Rectangle 12"/>
+          <p:cNvSpPr/>
+          <p:nvPr/>
+        </p:nvSpPr>
+        <p:spPr>
+          <a:xfrm>
+            <a:off x="3459843" y="4515757"/>
+            <a:ext cx="2102756" cy="533400"/>
+          </a:xfrm>
+          <a:prstGeom prst="rect">
+            <a:avLst/>
+          </a:prstGeom>
+          <a:ln/>
+        </p:spPr>
+        <p:style>
+          <a:lnRef idx="2">
+            <a:schemeClr val="dk1"/>
+          </a:lnRef>
+          <a:fillRef idx="1">
+            <a:schemeClr val="lt1"/>
+          </a:fillRef>
+          <a:effectRef idx="0">
+            <a:schemeClr val="dk1"/>
+          </a:effectRef>
+          <a:fontRef idx="minor">
+            <a:schemeClr val="dk1"/>
+          </a:fontRef>
+        </p:style>
+        <p:txBody>
+          <a:bodyPr rtlCol="0" anchor="ctr"/>
+          <a:lstStyle/>
+          <a:p>
+            <a:pPr algn="ctr"/>
+            <a:r>
+              <a:rPr lang="en-US" smtClean="0"/>
+              <a:t>Burnup chart</a:t>
+            </a:r>
+            <a:endParaRPr lang="en-US"/>
+          </a:p>
+        </p:txBody>
+      </p:sp>
+      <p:sp>
+        <p:nvSpPr>
+          <p:cNvPr id="14" name="Rectangle 13"/>
+          <p:cNvSpPr/>
+          <p:nvPr/>
+        </p:nvSpPr>
+        <p:spPr>
+          <a:xfrm>
+            <a:off x="3445328" y="5317672"/>
+            <a:ext cx="2102756" cy="533400"/>
+          </a:xfrm>
+          <a:prstGeom prst="rect">
+            <a:avLst/>
+          </a:prstGeom>
+          <a:ln/>
+        </p:spPr>
+        <p:style>
+          <a:lnRef idx="2">
+            <a:schemeClr val="dk1"/>
+          </a:lnRef>
+          <a:fillRef idx="1">
+            <a:schemeClr val="lt1"/>
+          </a:fillRef>
+          <a:effectRef idx="0">
+            <a:schemeClr val="dk1"/>
+          </a:effectRef>
+          <a:fontRef idx="minor">
+            <a:schemeClr val="dk1"/>
+          </a:fontRef>
+        </p:style>
+        <p:txBody>
+          <a:bodyPr rtlCol="0" anchor="ctr"/>
+          <a:lstStyle/>
+          <a:p>
+            <a:pPr algn="ctr"/>
+            <a:r>
+              <a:rPr lang="en-US" smtClean="0"/>
+              <a:t>Burndown chart</a:t>
+            </a:r>
+            <a:endParaRPr lang="en-US"/>
+          </a:p>
+        </p:txBody>
+      </p:sp>
+      <p:sp>
+        <p:nvSpPr>
+          <p:cNvPr id="15" name="Rectangle 14"/>
+          <p:cNvSpPr/>
+          <p:nvPr/>
+        </p:nvSpPr>
+        <p:spPr>
+          <a:xfrm>
+            <a:off x="6164941" y="1905000"/>
+            <a:ext cx="2102757" cy="386442"/>
+          </a:xfrm>
+          <a:prstGeom prst="rect">
+            <a:avLst/>
+          </a:prstGeom>
+          <a:ln/>
+        </p:spPr>
+        <p:style>
+          <a:lnRef idx="2">
+            <a:schemeClr val="dk1"/>
+          </a:lnRef>
+          <a:fillRef idx="1">
+            <a:schemeClr val="lt1"/>
+          </a:fillRef>
+          <a:effectRef idx="0">
+            <a:schemeClr val="dk1"/>
+          </a:effectRef>
+          <a:fontRef idx="minor">
+            <a:schemeClr val="dk1"/>
+          </a:fontRef>
+        </p:style>
+        <p:txBody>
+          <a:bodyPr rtlCol="0" anchor="ctr"/>
+          <a:lstStyle/>
+          <a:p>
+            <a:pPr algn="ctr"/>
+            <a:r>
+              <a:rPr lang="en-US" smtClean="0"/>
+              <a:t>Quản lí team</a:t>
+            </a:r>
+            <a:endParaRPr lang="en-US"/>
+          </a:p>
+        </p:txBody>
+      </p:sp>
+      <p:sp>
+        <p:nvSpPr>
+          <p:cNvPr id="16" name="Rectangle 15"/>
+          <p:cNvSpPr/>
+          <p:nvPr/>
+        </p:nvSpPr>
+        <p:spPr>
+          <a:xfrm>
+            <a:off x="6172199" y="2458355"/>
+            <a:ext cx="2102757" cy="386442"/>
+          </a:xfrm>
+          <a:prstGeom prst="rect">
+            <a:avLst/>
+          </a:prstGeom>
+          <a:ln/>
+        </p:spPr>
+        <p:style>
+          <a:lnRef idx="2">
+            <a:schemeClr val="dk1"/>
+          </a:lnRef>
+          <a:fillRef idx="1">
+            <a:schemeClr val="lt1"/>
+          </a:fillRef>
+          <a:effectRef idx="0">
+            <a:schemeClr val="dk1"/>
+          </a:effectRef>
+          <a:fontRef idx="minor">
+            <a:schemeClr val="dk1"/>
+          </a:fontRef>
+        </p:style>
+        <p:txBody>
+          <a:bodyPr rtlCol="0" anchor="ctr"/>
+          <a:lstStyle/>
+          <a:p>
+            <a:pPr algn="ctr"/>
+            <a:r>
+              <a:rPr lang="en-US" smtClean="0"/>
+              <a:t>Quản lí member</a:t>
+            </a:r>
+            <a:endParaRPr lang="en-US"/>
+          </a:p>
+        </p:txBody>
+      </p:sp>
+      <p:sp>
+        <p:nvSpPr>
+          <p:cNvPr id="17" name="Rectangle 16"/>
+          <p:cNvSpPr/>
+          <p:nvPr/>
+        </p:nvSpPr>
+        <p:spPr>
+          <a:xfrm>
+            <a:off x="6172200" y="1295400"/>
+            <a:ext cx="2102757" cy="386442"/>
+          </a:xfrm>
+          <a:prstGeom prst="rect">
+            <a:avLst/>
+          </a:prstGeom>
+          <a:ln/>
+        </p:spPr>
+        <p:style>
+          <a:lnRef idx="2">
+            <a:schemeClr val="dk1"/>
+          </a:lnRef>
+          <a:fillRef idx="1">
+            <a:schemeClr val="lt1"/>
+          </a:fillRef>
+          <a:effectRef idx="0">
+            <a:schemeClr val="dk1"/>
+          </a:effectRef>
+          <a:fontRef idx="minor">
+            <a:schemeClr val="dk1"/>
+          </a:fontRef>
+        </p:style>
+        <p:txBody>
+          <a:bodyPr rtlCol="0" anchor="ctr"/>
+          <a:lstStyle/>
+          <a:p>
+            <a:pPr algn="ctr"/>
+            <a:r>
+              <a:rPr lang="en-US" smtClean="0"/>
+              <a:t>Quản lí task</a:t>
+            </a:r>
+            <a:endParaRPr lang="en-US"/>
+          </a:p>
+        </p:txBody>
+      </p:sp>
+      <p:cxnSp>
+        <p:nvCxnSpPr>
+          <p:cNvPr id="19" name="Straight Connector 18"/>
+          <p:cNvCxnSpPr>
+            <a:stCxn id="4" idx="3"/>
+          </p:cNvCxnSpPr>
+          <p:nvPr/>
+        </p:nvCxnSpPr>
+        <p:spPr>
+          <a:xfrm flipV="1">
+            <a:off x="2057400" y="1066800"/>
+            <a:ext cx="1387928" cy="2387600"/>
+          </a:xfrm>
+          <a:prstGeom prst="line">
+            <a:avLst/>
+          </a:prstGeom>
+        </p:spPr>
+        <p:style>
+          <a:lnRef idx="1">
+            <a:schemeClr val="accent1"/>
+          </a:lnRef>
+          <a:fillRef idx="0">
+            <a:schemeClr val="accent1"/>
+          </a:fillRef>
+          <a:effectRef idx="0">
+            <a:schemeClr val="accent1"/>
+          </a:effectRef>
+          <a:fontRef idx="minor">
+            <a:schemeClr val="tx1"/>
+          </a:fontRef>
+        </p:style>
+      </p:cxnSp>
+      <p:cxnSp>
+        <p:nvCxnSpPr>
+          <p:cNvPr id="22" name="Straight Connector 21"/>
+          <p:cNvCxnSpPr>
+            <a:stCxn id="4" idx="3"/>
+            <a:endCxn id="8" idx="1"/>
+          </p:cNvCxnSpPr>
+          <p:nvPr/>
+        </p:nvCxnSpPr>
+        <p:spPr>
+          <a:xfrm flipV="1">
+            <a:off x="2057400" y="1543958"/>
+            <a:ext cx="1402443" cy="1910442"/>
+          </a:xfrm>
+          <a:prstGeom prst="line">
+            <a:avLst/>
+          </a:prstGeom>
+        </p:spPr>
+        <p:style>
+          <a:lnRef idx="1">
+            <a:schemeClr val="accent1"/>
+          </a:lnRef>
+          <a:fillRef idx="0">
+            <a:schemeClr val="accent1"/>
+          </a:fillRef>
+          <a:effectRef idx="0">
+            <a:schemeClr val="accent1"/>
+          </a:effectRef>
+          <a:fontRef idx="minor">
+            <a:schemeClr val="tx1"/>
+          </a:fontRef>
+        </p:style>
+      </p:cxnSp>
+      <p:cxnSp>
+        <p:nvCxnSpPr>
+          <p:cNvPr id="24" name="Straight Connector 23"/>
+          <p:cNvCxnSpPr>
+            <a:stCxn id="4" idx="3"/>
+            <a:endCxn id="7" idx="1"/>
+          </p:cNvCxnSpPr>
+          <p:nvPr/>
+        </p:nvCxnSpPr>
+        <p:spPr>
+          <a:xfrm flipV="1">
+            <a:off x="2057400" y="2344058"/>
+            <a:ext cx="1402443" cy="1110342"/>
+          </a:xfrm>
+          <a:prstGeom prst="line">
+            <a:avLst/>
+          </a:prstGeom>
+        </p:spPr>
+        <p:style>
+          <a:lnRef idx="1">
+            <a:schemeClr val="accent1"/>
+          </a:lnRef>
+          <a:fillRef idx="0">
+            <a:schemeClr val="accent1"/>
+          </a:fillRef>
+          <a:effectRef idx="0">
+            <a:schemeClr val="accent1"/>
+          </a:effectRef>
+          <a:fontRef idx="minor">
+            <a:schemeClr val="tx1"/>
+          </a:fontRef>
+        </p:style>
+      </p:cxnSp>
+      <p:cxnSp>
+        <p:nvCxnSpPr>
+          <p:cNvPr id="26" name="Straight Connector 25"/>
+          <p:cNvCxnSpPr>
+            <a:stCxn id="4" idx="3"/>
+            <a:endCxn id="11" idx="1"/>
+          </p:cNvCxnSpPr>
+          <p:nvPr/>
+        </p:nvCxnSpPr>
+        <p:spPr>
+          <a:xfrm flipV="1">
+            <a:off x="2057400" y="3162300"/>
+            <a:ext cx="1402443" cy="292100"/>
+          </a:xfrm>
+          <a:prstGeom prst="line">
+            <a:avLst/>
+          </a:prstGeom>
+        </p:spPr>
+        <p:style>
+          <a:lnRef idx="1">
+            <a:schemeClr val="accent1"/>
+          </a:lnRef>
+          <a:fillRef idx="0">
+            <a:schemeClr val="accent1"/>
+          </a:fillRef>
+          <a:effectRef idx="0">
+            <a:schemeClr val="accent1"/>
+          </a:effectRef>
+          <a:fontRef idx="minor">
+            <a:schemeClr val="tx1"/>
+          </a:fontRef>
+        </p:style>
+      </p:cxnSp>
+      <p:cxnSp>
+        <p:nvCxnSpPr>
+          <p:cNvPr id="28" name="Straight Connector 27"/>
+          <p:cNvCxnSpPr>
+            <a:stCxn id="4" idx="3"/>
+            <a:endCxn id="12" idx="1"/>
+          </p:cNvCxnSpPr>
+          <p:nvPr/>
+        </p:nvCxnSpPr>
+        <p:spPr>
+          <a:xfrm>
+            <a:off x="2057400" y="3454400"/>
+            <a:ext cx="1387928" cy="546100"/>
+          </a:xfrm>
+          <a:prstGeom prst="line">
+            <a:avLst/>
+          </a:prstGeom>
+        </p:spPr>
+        <p:style>
+          <a:lnRef idx="1">
+            <a:schemeClr val="accent1"/>
+          </a:lnRef>
+          <a:fillRef idx="0">
+            <a:schemeClr val="accent1"/>
+          </a:fillRef>
+          <a:effectRef idx="0">
+            <a:schemeClr val="accent1"/>
+          </a:effectRef>
+          <a:fontRef idx="minor">
+            <a:schemeClr val="tx1"/>
+          </a:fontRef>
+        </p:style>
+      </p:cxnSp>
+      <p:cxnSp>
+        <p:nvCxnSpPr>
+          <p:cNvPr id="31" name="Straight Connector 30"/>
+          <p:cNvCxnSpPr>
+            <a:stCxn id="4" idx="3"/>
+            <a:endCxn id="13" idx="1"/>
+          </p:cNvCxnSpPr>
+          <p:nvPr/>
+        </p:nvCxnSpPr>
+        <p:spPr>
+          <a:xfrm>
+            <a:off x="2057400" y="3454400"/>
+            <a:ext cx="1402443" cy="1328057"/>
+          </a:xfrm>
+          <a:prstGeom prst="line">
+            <a:avLst/>
+          </a:prstGeom>
+        </p:spPr>
+        <p:style>
+          <a:lnRef idx="1">
+            <a:schemeClr val="accent1"/>
+          </a:lnRef>
+          <a:fillRef idx="0">
+            <a:schemeClr val="accent1"/>
+          </a:fillRef>
+          <a:effectRef idx="0">
+            <a:schemeClr val="accent1"/>
+          </a:effectRef>
+          <a:fontRef idx="minor">
+            <a:schemeClr val="tx1"/>
+          </a:fontRef>
+        </p:style>
+      </p:cxnSp>
+      <p:cxnSp>
+        <p:nvCxnSpPr>
+          <p:cNvPr id="34" name="Straight Connector 33"/>
+          <p:cNvCxnSpPr>
+            <a:stCxn id="4" idx="3"/>
+            <a:endCxn id="14" idx="1"/>
+          </p:cNvCxnSpPr>
+          <p:nvPr/>
+        </p:nvCxnSpPr>
+        <p:spPr>
+          <a:xfrm>
+            <a:off x="2057400" y="3454400"/>
+            <a:ext cx="1387928" cy="2129972"/>
+          </a:xfrm>
+          <a:prstGeom prst="line">
+            <a:avLst/>
+          </a:prstGeom>
+        </p:spPr>
+        <p:style>
+          <a:lnRef idx="1">
+            <a:schemeClr val="accent1"/>
+          </a:lnRef>
+          <a:fillRef idx="0">
+            <a:schemeClr val="accent1"/>
+          </a:fillRef>
+          <a:effectRef idx="0">
+            <a:schemeClr val="accent1"/>
+          </a:effectRef>
+          <a:fontRef idx="minor">
+            <a:schemeClr val="tx1"/>
+          </a:fontRef>
+        </p:style>
+      </p:cxnSp>
+      <p:cxnSp>
+        <p:nvCxnSpPr>
+          <p:cNvPr id="36" name="Straight Connector 35"/>
+          <p:cNvCxnSpPr>
+            <a:stCxn id="8" idx="3"/>
+            <a:endCxn id="17" idx="1"/>
+          </p:cNvCxnSpPr>
+          <p:nvPr/>
+        </p:nvCxnSpPr>
+        <p:spPr>
+          <a:xfrm flipV="1">
+            <a:off x="5562599" y="1488621"/>
+            <a:ext cx="609601" cy="55337"/>
+          </a:xfrm>
+          <a:prstGeom prst="line">
+            <a:avLst/>
+          </a:prstGeom>
+        </p:spPr>
+        <p:style>
+          <a:lnRef idx="1">
+            <a:schemeClr val="accent1"/>
+          </a:lnRef>
+          <a:fillRef idx="0">
+            <a:schemeClr val="accent1"/>
+          </a:fillRef>
+          <a:effectRef idx="0">
+            <a:schemeClr val="accent1"/>
+          </a:effectRef>
+          <a:fontRef idx="minor">
+            <a:schemeClr val="tx1"/>
+          </a:fontRef>
+        </p:style>
+      </p:cxnSp>
+      <p:cxnSp>
+        <p:nvCxnSpPr>
+          <p:cNvPr id="38" name="Straight Connector 37"/>
+          <p:cNvCxnSpPr>
+            <a:stCxn id="7" idx="3"/>
+            <a:endCxn id="15" idx="1"/>
+          </p:cNvCxnSpPr>
+          <p:nvPr/>
+        </p:nvCxnSpPr>
+        <p:spPr>
+          <a:xfrm flipV="1">
+            <a:off x="5562599" y="2098221"/>
+            <a:ext cx="602342" cy="245837"/>
+          </a:xfrm>
+          <a:prstGeom prst="line">
+            <a:avLst/>
+          </a:prstGeom>
+        </p:spPr>
+        <p:style>
+          <a:lnRef idx="1">
+            <a:schemeClr val="accent1"/>
+          </a:lnRef>
+          <a:fillRef idx="0">
+            <a:schemeClr val="accent1"/>
+          </a:fillRef>
+          <a:effectRef idx="0">
+            <a:schemeClr val="accent1"/>
+          </a:effectRef>
+          <a:fontRef idx="minor">
+            <a:schemeClr val="tx1"/>
+          </a:fontRef>
+        </p:style>
+      </p:cxnSp>
+      <p:cxnSp>
+        <p:nvCxnSpPr>
+          <p:cNvPr id="40" name="Straight Connector 39"/>
+          <p:cNvCxnSpPr>
+            <a:stCxn id="7" idx="3"/>
+            <a:endCxn id="16" idx="1"/>
+          </p:cNvCxnSpPr>
+          <p:nvPr/>
+        </p:nvCxnSpPr>
+        <p:spPr>
+          <a:xfrm>
+            <a:off x="5562599" y="2344058"/>
+            <a:ext cx="609600" cy="307518"/>
+          </a:xfrm>
+          <a:prstGeom prst="line">
+            <a:avLst/>
+          </a:prstGeom>
+        </p:spPr>
+        <p:style>
+          <a:lnRef idx="1">
+            <a:schemeClr val="accent1"/>
+          </a:lnRef>
+          <a:fillRef idx="0">
+            <a:schemeClr val="accent1"/>
+          </a:fillRef>
+          <a:effectRef idx="0">
+            <a:schemeClr val="accent1"/>
+          </a:effectRef>
+          <a:fontRef idx="minor">
+            <a:schemeClr val="tx1"/>
+          </a:fontRef>
+        </p:style>
+      </p:cxnSp>
+      <p:sp>
+        <p:nvSpPr>
+          <p:cNvPr id="42" name="Rectangle 41"/>
+          <p:cNvSpPr/>
+          <p:nvPr/>
+        </p:nvSpPr>
+        <p:spPr>
+          <a:xfrm>
+            <a:off x="3459844" y="6172200"/>
+            <a:ext cx="2102756" cy="533400"/>
+          </a:xfrm>
+          <a:prstGeom prst="rect">
+            <a:avLst/>
+          </a:prstGeom>
+          <a:ln/>
+        </p:spPr>
+        <p:style>
+          <a:lnRef idx="2">
+            <a:schemeClr val="dk1"/>
+          </a:lnRef>
+          <a:fillRef idx="1">
+            <a:schemeClr val="lt1"/>
+          </a:fillRef>
+          <a:effectRef idx="0">
+            <a:schemeClr val="dk1"/>
+          </a:effectRef>
+          <a:fontRef idx="minor">
+            <a:schemeClr val="dk1"/>
+          </a:fontRef>
+        </p:style>
+        <p:txBody>
+          <a:bodyPr rtlCol="0" anchor="ctr"/>
+          <a:lstStyle/>
+          <a:p>
+            <a:pPr algn="ctr"/>
+            <a:r>
+              <a:rPr lang="en-US" smtClean="0"/>
+              <a:t>Phân quyền</a:t>
+            </a:r>
+            <a:endParaRPr lang="en-US"/>
+          </a:p>
+        </p:txBody>
+      </p:sp>
+      <p:cxnSp>
+        <p:nvCxnSpPr>
+          <p:cNvPr id="44" name="Straight Connector 43"/>
+          <p:cNvCxnSpPr>
+            <a:stCxn id="4" idx="3"/>
+            <a:endCxn id="42" idx="1"/>
+          </p:cNvCxnSpPr>
+          <p:nvPr/>
+        </p:nvCxnSpPr>
+        <p:spPr>
+          <a:xfrm>
+            <a:off x="2057400" y="3454400"/>
+            <a:ext cx="1402444" cy="2984500"/>
+          </a:xfrm>
+          <a:prstGeom prst="line">
+            <a:avLst/>
+          </a:prstGeom>
+        </p:spPr>
+        <p:style>
+          <a:lnRef idx="1">
+            <a:schemeClr val="accent1"/>
+          </a:lnRef>
+          <a:fillRef idx="0">
+            <a:schemeClr val="accent1"/>
+          </a:fillRef>
+          <a:effectRef idx="0">
+            <a:schemeClr val="accent1"/>
+          </a:effectRef>
+          <a:fontRef idx="minor">
+            <a:schemeClr val="tx1"/>
+          </a:fontRef>
+        </p:style>
+      </p:cxnSp>
+    </p:spTree>
+    <p:extLst>
+      <p:ext uri="{BB962C8B-B14F-4D97-AF65-F5344CB8AC3E}">
+        <p14:creationId xmlns:p14="http://schemas.microsoft.com/office/powerpoint/2010/main" val="2228011057"/>
+      </p:ext>
+    </p:extLst>
+  </p:cSld>
+  <p:clrMapOvr>
+    <a:masterClrMapping/>
+  </p:clrMapOvr>
+  <p:timing>
+    <p:tnLst>
+      <p:par>
+        <p:cTn id="1" dur="indefinite" restart="never" nodeType="tmRoot"/>
+      </p:par>
+    </p:tnLst>
+  </p:timing>
+</p:sld>
+</file>
+
 <file path=ppt/theme/theme1.xml><?xml version="1.0" encoding="utf-8"?>
 <a:theme xmlns:a="http://schemas.openxmlformats.org/drawingml/2006/main" name="Clarity">
   <a:themeElements>

--- a/trunk/Báo cáo/Slide.pptx
+++ b/trunk/Báo cáo/Slide.pptx
@@ -6,8 +6,11 @@
   </p:sldMasterIdLst>
   <p:sldIdLst>
     <p:sldId id="256" r:id="rId2"/>
-    <p:sldId id="257" r:id="rId3"/>
-    <p:sldId id="258" r:id="rId4"/>
+    <p:sldId id="260" r:id="rId3"/>
+    <p:sldId id="261" r:id="rId4"/>
+    <p:sldId id="257" r:id="rId5"/>
+    <p:sldId id="258" r:id="rId6"/>
+    <p:sldId id="259" r:id="rId7"/>
   </p:sldIdLst>
   <p:sldSz cx="9144000" cy="6858000" type="screen4x3"/>
   <p:notesSz cx="6858000" cy="9144000"/>
@@ -297,7 +300,7 @@
           <a:p>
             <a:fld id="{1ACB3E5A-4EE2-489A-9F85-64D5B6B97B6E}" type="datetimeFigureOut">
               <a:rPr lang="en-US" smtClean="0"/>
-              <a:t>7/13/2014</a:t>
+              <a:t>7/16/2014</a:t>
             </a:fld>
             <a:endParaRPr lang="en-US"/>
           </a:p>
@@ -497,7 +500,7 @@
           <a:p>
             <a:fld id="{1ACB3E5A-4EE2-489A-9F85-64D5B6B97B6E}" type="datetimeFigureOut">
               <a:rPr lang="en-US" smtClean="0"/>
-              <a:t>7/13/2014</a:t>
+              <a:t>7/16/2014</a:t>
             </a:fld>
             <a:endParaRPr lang="en-US"/>
           </a:p>
@@ -672,7 +675,7 @@
           <a:p>
             <a:fld id="{1ACB3E5A-4EE2-489A-9F85-64D5B6B97B6E}" type="datetimeFigureOut">
               <a:rPr lang="en-US" smtClean="0"/>
-              <a:t>7/13/2014</a:t>
+              <a:t>7/16/2014</a:t>
             </a:fld>
             <a:endParaRPr lang="en-US"/>
           </a:p>
@@ -837,7 +840,7 @@
           <a:p>
             <a:fld id="{1ACB3E5A-4EE2-489A-9F85-64D5B6B97B6E}" type="datetimeFigureOut">
               <a:rPr lang="en-US" smtClean="0"/>
-              <a:t>7/13/2014</a:t>
+              <a:t>7/16/2014</a:t>
             </a:fld>
             <a:endParaRPr lang="en-US"/>
           </a:p>
@@ -1085,7 +1088,7 @@
           <a:p>
             <a:fld id="{1ACB3E5A-4EE2-489A-9F85-64D5B6B97B6E}" type="datetimeFigureOut">
               <a:rPr lang="en-US" smtClean="0"/>
-              <a:t>7/13/2014</a:t>
+              <a:t>7/16/2014</a:t>
             </a:fld>
             <a:endParaRPr lang="en-US"/>
           </a:p>
@@ -1403,7 +1406,7 @@
           <a:p>
             <a:fld id="{1ACB3E5A-4EE2-489A-9F85-64D5B6B97B6E}" type="datetimeFigureOut">
               <a:rPr lang="en-US" smtClean="0"/>
-              <a:t>7/13/2014</a:t>
+              <a:t>7/16/2014</a:t>
             </a:fld>
             <a:endParaRPr lang="en-US"/>
           </a:p>
@@ -1869,7 +1872,7 @@
           <a:p>
             <a:fld id="{1ACB3E5A-4EE2-489A-9F85-64D5B6B97B6E}" type="datetimeFigureOut">
               <a:rPr lang="en-US" smtClean="0"/>
-              <a:t>7/13/2014</a:t>
+              <a:t>7/16/2014</a:t>
             </a:fld>
             <a:endParaRPr lang="en-US"/>
           </a:p>
@@ -2017,7 +2020,7 @@
           <a:p>
             <a:fld id="{1ACB3E5A-4EE2-489A-9F85-64D5B6B97B6E}" type="datetimeFigureOut">
               <a:rPr lang="en-US" smtClean="0"/>
-              <a:t>7/13/2014</a:t>
+              <a:t>7/16/2014</a:t>
             </a:fld>
             <a:endParaRPr lang="en-US"/>
           </a:p>
@@ -2107,7 +2110,7 @@
           <a:p>
             <a:fld id="{1ACB3E5A-4EE2-489A-9F85-64D5B6B97B6E}" type="datetimeFigureOut">
               <a:rPr lang="en-US" smtClean="0"/>
-              <a:t>7/13/2014</a:t>
+              <a:t>7/16/2014</a:t>
             </a:fld>
             <a:endParaRPr lang="en-US"/>
           </a:p>
@@ -2381,7 +2384,7 @@
           <a:p>
             <a:fld id="{1ACB3E5A-4EE2-489A-9F85-64D5B6B97B6E}" type="datetimeFigureOut">
               <a:rPr lang="en-US" smtClean="0"/>
-              <a:t>7/13/2014</a:t>
+              <a:t>7/16/2014</a:t>
             </a:fld>
             <a:endParaRPr lang="en-US"/>
           </a:p>
@@ -2686,7 +2689,7 @@
           <a:p>
             <a:fld id="{1ACB3E5A-4EE2-489A-9F85-64D5B6B97B6E}" type="datetimeFigureOut">
               <a:rPr lang="en-US" smtClean="0"/>
-              <a:t>7/13/2014</a:t>
+              <a:t>7/16/2014</a:t>
             </a:fld>
             <a:endParaRPr lang="en-US"/>
           </a:p>
@@ -2984,7 +2987,7 @@
           <a:p>
             <a:fld id="{1ACB3E5A-4EE2-489A-9F85-64D5B6B97B6E}" type="datetimeFigureOut">
               <a:rPr lang="en-US" smtClean="0"/>
-              <a:t>7/13/2014</a:t>
+              <a:t>7/16/2014</a:t>
             </a:fld>
             <a:endParaRPr lang="en-US"/>
           </a:p>
@@ -3396,7 +3399,11 @@
           <a:bodyPr/>
           <a:lstStyle/>
           <a:p>
-            <a:endParaRPr lang="en-US" dirty="0"/>
+            <a:r>
+              <a:rPr lang="en-US" sz="3600" smtClean="0"/>
+              <a:t>NGHIÊN CỨU MÔ HÌNH AGILE VÀ PHÁT TRIỂN CÔNG CỤ HỖ TRỢ</a:t>
+            </a:r>
+            <a:endParaRPr lang="en-US" sz="3600" dirty="0"/>
           </a:p>
         </p:txBody>
       </p:sp>
@@ -3412,10 +3419,51 @@
         </p:nvSpPr>
         <p:spPr/>
         <p:txBody>
-          <a:bodyPr/>
-          <a:lstStyle/>
-          <a:p>
-            <a:endParaRPr lang="en-US" dirty="0"/>
+          <a:bodyPr>
+            <a:normAutofit/>
+          </a:bodyPr>
+          <a:lstStyle/>
+          <a:p>
+            <a:r>
+              <a:rPr lang="en-US" sz="2800" smtClean="0"/>
+              <a:t>BÁO CÁO KHÓA LUẬN TỐT NGHIỆP</a:t>
+            </a:r>
+          </a:p>
+        </p:txBody>
+      </p:sp>
+      <p:sp>
+        <p:nvSpPr>
+          <p:cNvPr id="4" name="TextBox 3"/>
+          <p:cNvSpPr txBox="1"/>
+          <p:nvPr/>
+        </p:nvSpPr>
+        <p:spPr>
+          <a:xfrm>
+            <a:off x="4757134" y="5906869"/>
+            <a:ext cx="3929666" cy="646331"/>
+          </a:xfrm>
+          <a:prstGeom prst="rect">
+            <a:avLst/>
+          </a:prstGeom>
+          <a:noFill/>
+        </p:spPr>
+        <p:txBody>
+          <a:bodyPr wrap="none" rtlCol="0">
+            <a:spAutoFit/>
+          </a:bodyPr>
+          <a:lstStyle/>
+          <a:p>
+            <a:r>
+              <a:rPr lang="en-US" smtClean="0"/>
+              <a:t>Sinh viên: Phạm Ánh Dương</a:t>
+            </a:r>
+          </a:p>
+          <a:p>
+            <a:r>
+              <a:rPr lang="en-US" smtClean="0"/>
+              <a:t>GVHD: ThS. Nguyễn Thị Thanh Trúc</a:t>
+            </a:r>
+            <a:endParaRPr lang="en-US"/>
           </a:p>
         </p:txBody>
       </p:sp>
@@ -3471,6 +3519,202 @@
           <a:bodyPr/>
           <a:lstStyle/>
           <a:p>
+            <a:r>
+              <a:rPr lang="en-US" smtClean="0"/>
+              <a:t>Nội dung trình bày</a:t>
+            </a:r>
+            <a:endParaRPr lang="en-US"/>
+          </a:p>
+        </p:txBody>
+      </p:sp>
+      <p:sp>
+        <p:nvSpPr>
+          <p:cNvPr id="3" name="Content Placeholder 2"/>
+          <p:cNvSpPr>
+            <a:spLocks noGrp="1"/>
+          </p:cNvSpPr>
+          <p:nvPr>
+            <p:ph idx="1"/>
+          </p:nvPr>
+        </p:nvSpPr>
+        <p:spPr/>
+        <p:txBody>
+          <a:bodyPr>
+            <a:normAutofit/>
+          </a:bodyPr>
+          <a:lstStyle/>
+          <a:p>
+            <a:r>
+              <a:rPr lang="en-US" sz="3600" smtClean="0"/>
+              <a:t>Giới thiệu đề tài.</a:t>
+            </a:r>
+          </a:p>
+          <a:p>
+            <a:r>
+              <a:rPr lang="en-US" sz="3600" smtClean="0"/>
+              <a:t>Agile</a:t>
+            </a:r>
+          </a:p>
+          <a:p>
+            <a:r>
+              <a:rPr lang="en-US" sz="3600" smtClean="0"/>
+              <a:t>Scrum</a:t>
+            </a:r>
+          </a:p>
+          <a:p>
+            <a:r>
+              <a:rPr lang="en-US" sz="3600" smtClean="0"/>
+              <a:t>Xây dựng ứng dụng</a:t>
+            </a:r>
+          </a:p>
+          <a:p>
+            <a:r>
+              <a:rPr lang="en-US" sz="3600" smtClean="0"/>
+              <a:t>Công nghệ HTML5 WebSocket</a:t>
+            </a:r>
+          </a:p>
+          <a:p>
+            <a:r>
+              <a:rPr lang="en-US" sz="3600" smtClean="0"/>
+              <a:t>Kết luận và hướng phát triển</a:t>
+            </a:r>
+          </a:p>
+          <a:p>
+            <a:endParaRPr lang="en-US" sz="3600"/>
+          </a:p>
+        </p:txBody>
+      </p:sp>
+    </p:spTree>
+    <p:extLst>
+      <p:ext uri="{BB962C8B-B14F-4D97-AF65-F5344CB8AC3E}">
+        <p14:creationId xmlns:p14="http://schemas.microsoft.com/office/powerpoint/2010/main" val="1106016133"/>
+      </p:ext>
+    </p:extLst>
+  </p:cSld>
+  <p:clrMapOvr>
+    <a:masterClrMapping/>
+  </p:clrMapOvr>
+  <p:timing>
+    <p:tnLst>
+      <p:par>
+        <p:cTn id="1" dur="indefinite" restart="never" nodeType="tmRoot"/>
+      </p:par>
+    </p:tnLst>
+  </p:timing>
+</p:sld>
+</file>
+
+<file path=ppt/slides/slide3.xml><?xml version="1.0" encoding="utf-8"?>
+<p:sld xmlns:a="http://schemas.openxmlformats.org/drawingml/2006/main" xmlns:r="http://schemas.openxmlformats.org/officeDocument/2006/relationships" xmlns:p="http://schemas.openxmlformats.org/presentationml/2006/main">
+  <p:cSld>
+    <p:spTree>
+      <p:nvGrpSpPr>
+        <p:cNvPr id="1" name=""/>
+        <p:cNvGrpSpPr/>
+        <p:nvPr/>
+      </p:nvGrpSpPr>
+      <p:grpSpPr>
+        <a:xfrm>
+          <a:off x="0" y="0"/>
+          <a:ext cx="0" cy="0"/>
+          <a:chOff x="0" y="0"/>
+          <a:chExt cx="0" cy="0"/>
+        </a:xfrm>
+      </p:grpSpPr>
+      <p:sp>
+        <p:nvSpPr>
+          <p:cNvPr id="2" name="Title 1"/>
+          <p:cNvSpPr>
+            <a:spLocks noGrp="1"/>
+          </p:cNvSpPr>
+          <p:nvPr>
+            <p:ph type="title"/>
+          </p:nvPr>
+        </p:nvSpPr>
+        <p:spPr/>
+        <p:txBody>
+          <a:bodyPr/>
+          <a:lstStyle/>
+          <a:p>
+            <a:r>
+              <a:rPr lang="en-US" smtClean="0"/>
+              <a:t>Giới thiệu đề tài</a:t>
+            </a:r>
+            <a:endParaRPr lang="en-US"/>
+          </a:p>
+        </p:txBody>
+      </p:sp>
+      <p:sp>
+        <p:nvSpPr>
+          <p:cNvPr id="3" name="Content Placeholder 2"/>
+          <p:cNvSpPr>
+            <a:spLocks noGrp="1"/>
+          </p:cNvSpPr>
+          <p:nvPr>
+            <p:ph idx="1"/>
+          </p:nvPr>
+        </p:nvSpPr>
+        <p:spPr/>
+        <p:txBody>
+          <a:bodyPr/>
+          <a:lstStyle/>
+          <a:p>
+            <a:endParaRPr lang="en-US"/>
+          </a:p>
+        </p:txBody>
+      </p:sp>
+    </p:spTree>
+    <p:extLst>
+      <p:ext uri="{BB962C8B-B14F-4D97-AF65-F5344CB8AC3E}">
+        <p14:creationId xmlns:p14="http://schemas.microsoft.com/office/powerpoint/2010/main" val="3781975614"/>
+      </p:ext>
+    </p:extLst>
+  </p:cSld>
+  <p:clrMapOvr>
+    <a:masterClrMapping/>
+  </p:clrMapOvr>
+  <p:timing>
+    <p:tnLst>
+      <p:par>
+        <p:cTn id="1" dur="indefinite" restart="never" nodeType="tmRoot"/>
+      </p:par>
+    </p:tnLst>
+  </p:timing>
+</p:sld>
+</file>
+
+<file path=ppt/slides/slide4.xml><?xml version="1.0" encoding="utf-8"?>
+<p:sld xmlns:a="http://schemas.openxmlformats.org/drawingml/2006/main" xmlns:r="http://schemas.openxmlformats.org/officeDocument/2006/relationships" xmlns:p="http://schemas.openxmlformats.org/presentationml/2006/main">
+  <p:cSld>
+    <p:spTree>
+      <p:nvGrpSpPr>
+        <p:cNvPr id="1" name=""/>
+        <p:cNvGrpSpPr/>
+        <p:nvPr/>
+      </p:nvGrpSpPr>
+      <p:grpSpPr>
+        <a:xfrm>
+          <a:off x="0" y="0"/>
+          <a:ext cx="0" cy="0"/>
+          <a:chOff x="0" y="0"/>
+          <a:chExt cx="0" cy="0"/>
+        </a:xfrm>
+      </p:grpSpPr>
+      <p:sp>
+        <p:nvSpPr>
+          <p:cNvPr id="2" name="Title 1"/>
+          <p:cNvSpPr>
+            <a:spLocks noGrp="1"/>
+          </p:cNvSpPr>
+          <p:nvPr>
+            <p:ph type="title"/>
+          </p:nvPr>
+        </p:nvSpPr>
+        <p:spPr/>
+        <p:txBody>
+          <a:bodyPr/>
+          <a:lstStyle/>
+          <a:p>
             <a:endParaRPr lang="en-US" dirty="0"/>
           </a:p>
         </p:txBody>
@@ -3871,7 +4115,7 @@
 </p:sld>
 </file>
 
-<file path=ppt/slides/slide3.xml><?xml version="1.0" encoding="utf-8"?>
+<file path=ppt/slides/slide5.xml><?xml version="1.0" encoding="utf-8"?>
 <p:sld xmlns:a="http://schemas.openxmlformats.org/drawingml/2006/main" xmlns:r="http://schemas.openxmlformats.org/officeDocument/2006/relationships" xmlns:p="http://schemas.openxmlformats.org/presentationml/2006/main">
   <p:cSld>
     <p:spTree>
@@ -4964,6 +5208,671 @@
     <p:extLst>
       <p:ext uri="{BB962C8B-B14F-4D97-AF65-F5344CB8AC3E}">
         <p14:creationId xmlns:p14="http://schemas.microsoft.com/office/powerpoint/2010/main" val="2228011057"/>
+      </p:ext>
+    </p:extLst>
+  </p:cSld>
+  <p:clrMapOvr>
+    <a:masterClrMapping/>
+  </p:clrMapOvr>
+  <p:timing>
+    <p:tnLst>
+      <p:par>
+        <p:cTn id="1" dur="indefinite" restart="never" nodeType="tmRoot"/>
+      </p:par>
+    </p:tnLst>
+  </p:timing>
+</p:sld>
+</file>
+
+<file path=ppt/slides/slide6.xml><?xml version="1.0" encoding="utf-8"?>
+<p:sld xmlns:a="http://schemas.openxmlformats.org/drawingml/2006/main" xmlns:r="http://schemas.openxmlformats.org/officeDocument/2006/relationships" xmlns:p="http://schemas.openxmlformats.org/presentationml/2006/main">
+  <p:cSld>
+    <p:spTree>
+      <p:nvGrpSpPr>
+        <p:cNvPr id="1" name=""/>
+        <p:cNvGrpSpPr/>
+        <p:nvPr/>
+      </p:nvGrpSpPr>
+      <p:grpSpPr>
+        <a:xfrm>
+          <a:off x="0" y="0"/>
+          <a:ext cx="0" cy="0"/>
+          <a:chOff x="0" y="0"/>
+          <a:chExt cx="0" cy="0"/>
+        </a:xfrm>
+      </p:grpSpPr>
+      <p:sp>
+        <p:nvSpPr>
+          <p:cNvPr id="4" name="Rounded Rectangle 3"/>
+          <p:cNvSpPr/>
+          <p:nvPr/>
+        </p:nvSpPr>
+        <p:spPr>
+          <a:xfrm>
+            <a:off x="4452257" y="898071"/>
+            <a:ext cx="1752600" cy="685800"/>
+          </a:xfrm>
+          <a:prstGeom prst="roundRect">
+            <a:avLst/>
+          </a:prstGeom>
+        </p:spPr>
+        <p:style>
+          <a:lnRef idx="2">
+            <a:schemeClr val="accent1"/>
+          </a:lnRef>
+          <a:fillRef idx="1">
+            <a:schemeClr val="lt1"/>
+          </a:fillRef>
+          <a:effectRef idx="0">
+            <a:schemeClr val="accent1"/>
+          </a:effectRef>
+          <a:fontRef idx="minor">
+            <a:schemeClr val="dk1"/>
+          </a:fontRef>
+        </p:style>
+        <p:txBody>
+          <a:bodyPr rtlCol="0" anchor="ctr"/>
+          <a:lstStyle/>
+          <a:p>
+            <a:pPr algn="ctr"/>
+            <a:r>
+              <a:rPr lang="en-US" smtClean="0"/>
+              <a:t>Routing</a:t>
+            </a:r>
+            <a:endParaRPr lang="en-US"/>
+          </a:p>
+        </p:txBody>
+      </p:sp>
+      <p:sp>
+        <p:nvSpPr>
+          <p:cNvPr id="5" name="Rounded Rectangle 4"/>
+          <p:cNvSpPr/>
+          <p:nvPr/>
+        </p:nvSpPr>
+        <p:spPr>
+          <a:xfrm>
+            <a:off x="5976257" y="4875276"/>
+            <a:ext cx="1752600" cy="685800"/>
+          </a:xfrm>
+          <a:prstGeom prst="roundRect">
+            <a:avLst/>
+          </a:prstGeom>
+        </p:spPr>
+        <p:style>
+          <a:lnRef idx="2">
+            <a:schemeClr val="accent1"/>
+          </a:lnRef>
+          <a:fillRef idx="1">
+            <a:schemeClr val="lt1"/>
+          </a:fillRef>
+          <a:effectRef idx="0">
+            <a:schemeClr val="accent1"/>
+          </a:effectRef>
+          <a:fontRef idx="minor">
+            <a:schemeClr val="dk1"/>
+          </a:fontRef>
+        </p:style>
+        <p:txBody>
+          <a:bodyPr rtlCol="0" anchor="ctr"/>
+          <a:lstStyle/>
+          <a:p>
+            <a:pPr algn="ctr"/>
+            <a:r>
+              <a:rPr lang="en-US" smtClean="0"/>
+              <a:t>Model</a:t>
+            </a:r>
+          </a:p>
+        </p:txBody>
+      </p:sp>
+      <p:sp>
+        <p:nvSpPr>
+          <p:cNvPr id="6" name="Rounded Rectangle 5"/>
+          <p:cNvSpPr/>
+          <p:nvPr/>
+        </p:nvSpPr>
+        <p:spPr>
+          <a:xfrm>
+            <a:off x="3156857" y="4875276"/>
+            <a:ext cx="1752600" cy="685800"/>
+          </a:xfrm>
+          <a:prstGeom prst="roundRect">
+            <a:avLst/>
+          </a:prstGeom>
+        </p:spPr>
+        <p:style>
+          <a:lnRef idx="2">
+            <a:schemeClr val="accent1"/>
+          </a:lnRef>
+          <a:fillRef idx="1">
+            <a:schemeClr val="lt1"/>
+          </a:fillRef>
+          <a:effectRef idx="0">
+            <a:schemeClr val="accent1"/>
+          </a:effectRef>
+          <a:fontRef idx="minor">
+            <a:schemeClr val="dk1"/>
+          </a:fontRef>
+        </p:style>
+        <p:txBody>
+          <a:bodyPr rtlCol="0" anchor="ctr"/>
+          <a:lstStyle/>
+          <a:p>
+            <a:pPr algn="ctr"/>
+            <a:r>
+              <a:rPr lang="en-US" smtClean="0"/>
+              <a:t>View</a:t>
+            </a:r>
+          </a:p>
+        </p:txBody>
+      </p:sp>
+      <p:sp>
+        <p:nvSpPr>
+          <p:cNvPr id="7" name="Can 6"/>
+          <p:cNvSpPr/>
+          <p:nvPr/>
+        </p:nvSpPr>
+        <p:spPr>
+          <a:xfrm>
+            <a:off x="7543800" y="3064619"/>
+            <a:ext cx="1371600" cy="1216152"/>
+          </a:xfrm>
+          <a:prstGeom prst="can">
+            <a:avLst/>
+          </a:prstGeom>
+        </p:spPr>
+        <p:style>
+          <a:lnRef idx="2">
+            <a:schemeClr val="accent1">
+              <a:shade val="50000"/>
+            </a:schemeClr>
+          </a:lnRef>
+          <a:fillRef idx="1">
+            <a:schemeClr val="accent1"/>
+          </a:fillRef>
+          <a:effectRef idx="0">
+            <a:schemeClr val="accent1"/>
+          </a:effectRef>
+          <a:fontRef idx="minor">
+            <a:schemeClr val="lt1"/>
+          </a:fontRef>
+        </p:style>
+        <p:txBody>
+          <a:bodyPr rtlCol="0" anchor="ctr"/>
+          <a:lstStyle/>
+          <a:p>
+            <a:pPr algn="ctr"/>
+            <a:r>
+              <a:rPr lang="en-US" smtClean="0"/>
+              <a:t>Database</a:t>
+            </a:r>
+            <a:endParaRPr lang="en-US"/>
+          </a:p>
+        </p:txBody>
+      </p:sp>
+      <p:sp>
+        <p:nvSpPr>
+          <p:cNvPr id="8" name="Rounded Rectangle 7"/>
+          <p:cNvSpPr/>
+          <p:nvPr/>
+        </p:nvSpPr>
+        <p:spPr>
+          <a:xfrm>
+            <a:off x="4452257" y="2685143"/>
+            <a:ext cx="1752600" cy="685800"/>
+          </a:xfrm>
+          <a:prstGeom prst="roundRect">
+            <a:avLst/>
+          </a:prstGeom>
+        </p:spPr>
+        <p:style>
+          <a:lnRef idx="2">
+            <a:schemeClr val="accent1"/>
+          </a:lnRef>
+          <a:fillRef idx="1">
+            <a:schemeClr val="lt1"/>
+          </a:fillRef>
+          <a:effectRef idx="0">
+            <a:schemeClr val="accent1"/>
+          </a:effectRef>
+          <a:fontRef idx="minor">
+            <a:schemeClr val="dk1"/>
+          </a:fontRef>
+        </p:style>
+        <p:txBody>
+          <a:bodyPr rtlCol="0" anchor="ctr"/>
+          <a:lstStyle/>
+          <a:p>
+            <a:pPr algn="ctr"/>
+            <a:r>
+              <a:rPr lang="en-US" smtClean="0"/>
+              <a:t>Controller</a:t>
+            </a:r>
+          </a:p>
+        </p:txBody>
+      </p:sp>
+      <p:pic>
+        <p:nvPicPr>
+          <p:cNvPr id="1026" name="Picture 2"/>
+          <p:cNvPicPr>
+            <a:picLocks noChangeAspect="1" noChangeArrowheads="1"/>
+          </p:cNvPicPr>
+          <p:nvPr/>
+        </p:nvPicPr>
+        <p:blipFill>
+          <a:blip r:embed="rId2" cstate="print">
+            <a:extLst>
+              <a:ext uri="{28A0092B-C50C-407E-A947-70E740481C1C}">
+                <a14:useLocalDpi xmlns:a14="http://schemas.microsoft.com/office/drawing/2010/main" val="0"/>
+              </a:ext>
+            </a:extLst>
+          </a:blip>
+          <a:srcRect/>
+          <a:stretch>
+            <a:fillRect/>
+          </a:stretch>
+        </p:blipFill>
+        <p:spPr bwMode="auto">
+          <a:xfrm>
+            <a:off x="351970" y="2152965"/>
+            <a:ext cx="3228372" cy="1823308"/>
+          </a:xfrm>
+          <a:prstGeom prst="rect">
+            <a:avLst/>
+          </a:prstGeom>
+          <a:noFill/>
+          <a:ln>
+            <a:noFill/>
+          </a:ln>
+          <a:extLst>
+            <a:ext uri="{909E8E84-426E-40DD-AFC4-6F175D3DCCD1}">
+              <a14:hiddenFill xmlns:a14="http://schemas.microsoft.com/office/drawing/2010/main">
+                <a:solidFill>
+                  <a:schemeClr val="accent1"/>
+                </a:solidFill>
+              </a14:hiddenFill>
+            </a:ext>
+            <a:ext uri="{91240B29-F687-4F45-9708-019B960494DF}">
+              <a14:hiddenLine xmlns:a14="http://schemas.microsoft.com/office/drawing/2010/main" w="9525">
+                <a:solidFill>
+                  <a:schemeClr val="tx1"/>
+                </a:solidFill>
+                <a:miter lim="800000"/>
+                <a:headEnd/>
+                <a:tailEnd/>
+              </a14:hiddenLine>
+            </a:ext>
+          </a:extLst>
+        </p:spPr>
+      </p:pic>
+      <p:cxnSp>
+        <p:nvCxnSpPr>
+          <p:cNvPr id="10" name="Straight Arrow Connector 9"/>
+          <p:cNvCxnSpPr>
+            <a:stCxn id="28" idx="3"/>
+            <a:endCxn id="4" idx="1"/>
+          </p:cNvCxnSpPr>
+          <p:nvPr/>
+        </p:nvCxnSpPr>
+        <p:spPr>
+          <a:xfrm flipV="1">
+            <a:off x="3122220" y="1240971"/>
+            <a:ext cx="1330037" cy="332014"/>
+          </a:xfrm>
+          <a:prstGeom prst="straightConnector1">
+            <a:avLst/>
+          </a:prstGeom>
+          <a:ln>
+            <a:tailEnd type="arrow"/>
+          </a:ln>
+        </p:spPr>
+        <p:style>
+          <a:lnRef idx="3">
+            <a:schemeClr val="accent1"/>
+          </a:lnRef>
+          <a:fillRef idx="0">
+            <a:schemeClr val="accent1"/>
+          </a:fillRef>
+          <a:effectRef idx="2">
+            <a:schemeClr val="accent1"/>
+          </a:effectRef>
+          <a:fontRef idx="minor">
+            <a:schemeClr val="tx1"/>
+          </a:fontRef>
+        </p:style>
+      </p:cxnSp>
+      <p:cxnSp>
+        <p:nvCxnSpPr>
+          <p:cNvPr id="13" name="Straight Arrow Connector 12"/>
+          <p:cNvCxnSpPr>
+            <a:stCxn id="4" idx="2"/>
+            <a:endCxn id="8" idx="0"/>
+          </p:cNvCxnSpPr>
+          <p:nvPr/>
+        </p:nvCxnSpPr>
+        <p:spPr>
+          <a:xfrm>
+            <a:off x="5328557" y="1583871"/>
+            <a:ext cx="0" cy="1101272"/>
+          </a:xfrm>
+          <a:prstGeom prst="straightConnector1">
+            <a:avLst/>
+          </a:prstGeom>
+          <a:ln>
+            <a:tailEnd type="arrow"/>
+          </a:ln>
+        </p:spPr>
+        <p:style>
+          <a:lnRef idx="3">
+            <a:schemeClr val="accent1"/>
+          </a:lnRef>
+          <a:fillRef idx="0">
+            <a:schemeClr val="accent1"/>
+          </a:fillRef>
+          <a:effectRef idx="2">
+            <a:schemeClr val="accent1"/>
+          </a:effectRef>
+          <a:fontRef idx="minor">
+            <a:schemeClr val="tx1"/>
+          </a:fontRef>
+        </p:style>
+      </p:cxnSp>
+      <p:cxnSp>
+        <p:nvCxnSpPr>
+          <p:cNvPr id="16" name="Straight Arrow Connector 15"/>
+          <p:cNvCxnSpPr>
+            <a:stCxn id="8" idx="3"/>
+          </p:cNvCxnSpPr>
+          <p:nvPr/>
+        </p:nvCxnSpPr>
+        <p:spPr>
+          <a:xfrm>
+            <a:off x="6204857" y="3028043"/>
+            <a:ext cx="647700" cy="1847233"/>
+          </a:xfrm>
+          <a:prstGeom prst="straightConnector1">
+            <a:avLst/>
+          </a:prstGeom>
+          <a:ln>
+            <a:headEnd type="arrow"/>
+            <a:tailEnd type="arrow"/>
+          </a:ln>
+        </p:spPr>
+        <p:style>
+          <a:lnRef idx="3">
+            <a:schemeClr val="accent1"/>
+          </a:lnRef>
+          <a:fillRef idx="0">
+            <a:schemeClr val="accent1"/>
+          </a:fillRef>
+          <a:effectRef idx="2">
+            <a:schemeClr val="accent1"/>
+          </a:effectRef>
+          <a:fontRef idx="minor">
+            <a:schemeClr val="tx1"/>
+          </a:fontRef>
+        </p:style>
+      </p:cxnSp>
+      <p:cxnSp>
+        <p:nvCxnSpPr>
+          <p:cNvPr id="19" name="Straight Arrow Connector 18"/>
+          <p:cNvCxnSpPr>
+            <a:stCxn id="8" idx="1"/>
+            <a:endCxn id="6" idx="0"/>
+          </p:cNvCxnSpPr>
+          <p:nvPr/>
+        </p:nvCxnSpPr>
+        <p:spPr>
+          <a:xfrm flipH="1">
+            <a:off x="4033157" y="3028043"/>
+            <a:ext cx="419100" cy="1847233"/>
+          </a:xfrm>
+          <a:prstGeom prst="straightConnector1">
+            <a:avLst/>
+          </a:prstGeom>
+          <a:ln>
+            <a:tailEnd type="arrow"/>
+          </a:ln>
+        </p:spPr>
+        <p:style>
+          <a:lnRef idx="3">
+            <a:schemeClr val="accent1"/>
+          </a:lnRef>
+          <a:fillRef idx="0">
+            <a:schemeClr val="accent1"/>
+          </a:fillRef>
+          <a:effectRef idx="2">
+            <a:schemeClr val="accent1"/>
+          </a:effectRef>
+          <a:fontRef idx="minor">
+            <a:schemeClr val="tx1"/>
+          </a:fontRef>
+        </p:style>
+      </p:cxnSp>
+      <p:cxnSp>
+        <p:nvCxnSpPr>
+          <p:cNvPr id="23" name="Straight Arrow Connector 22"/>
+          <p:cNvCxnSpPr>
+            <a:endCxn id="7" idx="3"/>
+          </p:cNvCxnSpPr>
+          <p:nvPr/>
+        </p:nvCxnSpPr>
+        <p:spPr>
+          <a:xfrm flipV="1">
+            <a:off x="7765143" y="4280771"/>
+            <a:ext cx="464457" cy="1017524"/>
+          </a:xfrm>
+          <a:prstGeom prst="straightConnector1">
+            <a:avLst/>
+          </a:prstGeom>
+          <a:ln>
+            <a:headEnd type="arrow"/>
+            <a:tailEnd type="arrow"/>
+          </a:ln>
+        </p:spPr>
+        <p:style>
+          <a:lnRef idx="3">
+            <a:schemeClr val="accent1"/>
+          </a:lnRef>
+          <a:fillRef idx="0">
+            <a:schemeClr val="accent1"/>
+          </a:fillRef>
+          <a:effectRef idx="2">
+            <a:schemeClr val="accent1"/>
+          </a:effectRef>
+          <a:fontRef idx="minor">
+            <a:schemeClr val="tx1"/>
+          </a:fontRef>
+        </p:style>
+      </p:cxnSp>
+      <p:cxnSp>
+        <p:nvCxnSpPr>
+          <p:cNvPr id="26" name="Straight Arrow Connector 25"/>
+          <p:cNvCxnSpPr>
+            <a:stCxn id="6" idx="1"/>
+            <a:endCxn id="1026" idx="2"/>
+          </p:cNvCxnSpPr>
+          <p:nvPr/>
+        </p:nvCxnSpPr>
+        <p:spPr>
+          <a:xfrm flipH="1" flipV="1">
+            <a:off x="1966156" y="3976273"/>
+            <a:ext cx="1190701" cy="1241903"/>
+          </a:xfrm>
+          <a:prstGeom prst="straightConnector1">
+            <a:avLst/>
+          </a:prstGeom>
+          <a:ln>
+            <a:tailEnd type="arrow"/>
+          </a:ln>
+        </p:spPr>
+        <p:style>
+          <a:lnRef idx="3">
+            <a:schemeClr val="accent1"/>
+          </a:lnRef>
+          <a:fillRef idx="0">
+            <a:schemeClr val="accent1"/>
+          </a:fillRef>
+          <a:effectRef idx="2">
+            <a:schemeClr val="accent1"/>
+          </a:effectRef>
+          <a:fontRef idx="minor">
+            <a:schemeClr val="tx1"/>
+          </a:fontRef>
+        </p:style>
+      </p:cxnSp>
+      <p:sp>
+        <p:nvSpPr>
+          <p:cNvPr id="28" name="TextBox 27"/>
+          <p:cNvSpPr txBox="1"/>
+          <p:nvPr/>
+        </p:nvSpPr>
+        <p:spPr>
+          <a:xfrm>
+            <a:off x="1419474" y="1388319"/>
+            <a:ext cx="1702746" cy="369332"/>
+          </a:xfrm>
+          <a:prstGeom prst="rect">
+            <a:avLst/>
+          </a:prstGeom>
+          <a:noFill/>
+        </p:spPr>
+        <p:txBody>
+          <a:bodyPr wrap="square" rtlCol="0">
+            <a:spAutoFit/>
+          </a:bodyPr>
+          <a:lstStyle/>
+          <a:p>
+            <a:r>
+              <a:rPr lang="en-US" smtClean="0"/>
+              <a:t>1) Gửi yêu cầu</a:t>
+            </a:r>
+            <a:endParaRPr lang="en-US"/>
+          </a:p>
+        </p:txBody>
+      </p:sp>
+      <p:sp>
+        <p:nvSpPr>
+          <p:cNvPr id="29" name="TextBox 28"/>
+          <p:cNvSpPr txBox="1"/>
+          <p:nvPr/>
+        </p:nvSpPr>
+        <p:spPr>
+          <a:xfrm>
+            <a:off x="3733800" y="457200"/>
+            <a:ext cx="3634328" cy="369332"/>
+          </a:xfrm>
+          <a:prstGeom prst="rect">
+            <a:avLst/>
+          </a:prstGeom>
+          <a:noFill/>
+        </p:spPr>
+        <p:txBody>
+          <a:bodyPr wrap="none" rtlCol="0">
+            <a:spAutoFit/>
+          </a:bodyPr>
+          <a:lstStyle/>
+          <a:p>
+            <a:r>
+              <a:rPr lang="en-US" smtClean="0"/>
+              <a:t>2) Chuyển yêu cầu đến Controller</a:t>
+            </a:r>
+          </a:p>
+        </p:txBody>
+      </p:sp>
+      <p:sp>
+        <p:nvSpPr>
+          <p:cNvPr id="30" name="TextBox 29"/>
+          <p:cNvSpPr txBox="1"/>
+          <p:nvPr/>
+        </p:nvSpPr>
+        <p:spPr>
+          <a:xfrm>
+            <a:off x="5497945" y="2221468"/>
+            <a:ext cx="3188855" cy="369332"/>
+          </a:xfrm>
+          <a:prstGeom prst="rect">
+            <a:avLst/>
+          </a:prstGeom>
+          <a:noFill/>
+        </p:spPr>
+        <p:txBody>
+          <a:bodyPr wrap="square" rtlCol="0">
+            <a:spAutoFit/>
+          </a:bodyPr>
+          <a:lstStyle/>
+          <a:p>
+            <a:r>
+              <a:rPr lang="en-US" smtClean="0"/>
+              <a:t>3) Tương tác với Data Model</a:t>
+            </a:r>
+            <a:endParaRPr lang="en-US"/>
+          </a:p>
+        </p:txBody>
+      </p:sp>
+      <p:sp>
+        <p:nvSpPr>
+          <p:cNvPr id="31" name="TextBox 30"/>
+          <p:cNvSpPr txBox="1"/>
+          <p:nvPr/>
+        </p:nvSpPr>
+        <p:spPr>
+          <a:xfrm>
+            <a:off x="2960832" y="4405516"/>
+            <a:ext cx="3659414" cy="369332"/>
+          </a:xfrm>
+          <a:prstGeom prst="rect">
+            <a:avLst/>
+          </a:prstGeom>
+          <a:noFill/>
+        </p:spPr>
+        <p:txBody>
+          <a:bodyPr wrap="square" rtlCol="0">
+            <a:spAutoFit/>
+          </a:bodyPr>
+          <a:lstStyle/>
+          <a:p>
+            <a:r>
+              <a:rPr lang="en-US" smtClean="0"/>
+              <a:t>4) Controller trả kết quả ra View</a:t>
+            </a:r>
+            <a:endParaRPr lang="en-US"/>
+          </a:p>
+        </p:txBody>
+      </p:sp>
+      <p:sp>
+        <p:nvSpPr>
+          <p:cNvPr id="1024" name="TextBox 1023"/>
+          <p:cNvSpPr txBox="1"/>
+          <p:nvPr/>
+        </p:nvSpPr>
+        <p:spPr>
+          <a:xfrm>
+            <a:off x="1419474" y="5726668"/>
+            <a:ext cx="3986028" cy="369332"/>
+          </a:xfrm>
+          <a:prstGeom prst="rect">
+            <a:avLst/>
+          </a:prstGeom>
+          <a:noFill/>
+        </p:spPr>
+        <p:txBody>
+          <a:bodyPr wrap="none" rtlCol="0">
+            <a:spAutoFit/>
+          </a:bodyPr>
+          <a:lstStyle/>
+          <a:p>
+            <a:r>
+              <a:rPr lang="en-US" smtClean="0"/>
+              <a:t>5) View được hiển thị trên trình duyệt</a:t>
+            </a:r>
+            <a:endParaRPr lang="en-US"/>
+          </a:p>
+        </p:txBody>
+      </p:sp>
+    </p:spTree>
+    <p:extLst>
+      <p:ext uri="{BB962C8B-B14F-4D97-AF65-F5344CB8AC3E}">
+        <p14:creationId xmlns:p14="http://schemas.microsoft.com/office/powerpoint/2010/main" val="1754338272"/>
       </p:ext>
     </p:extLst>
   </p:cSld>
@@ -5263,7 +6172,27 @@
       </a:bgFillStyleLst>
     </a:fmtScheme>
   </a:themeElements>
-  <a:objectDefaults/>
+  <a:objectDefaults>
+    <a:lnDef>
+      <a:spPr/>
+      <a:bodyPr/>
+      <a:lstStyle/>
+      <a:style>
+        <a:lnRef idx="3">
+          <a:schemeClr val="accent1"/>
+        </a:lnRef>
+        <a:fillRef idx="0">
+          <a:schemeClr val="accent1"/>
+        </a:fillRef>
+        <a:effectRef idx="2">
+          <a:schemeClr val="accent1"/>
+        </a:effectRef>
+        <a:fontRef idx="minor">
+          <a:schemeClr val="tx1"/>
+        </a:fontRef>
+      </a:style>
+    </a:lnDef>
+  </a:objectDefaults>
   <a:extraClrSchemeLst/>
 </a:theme>
 </file>